--- a/郭会玲/历史/九上/第12课 阿拉伯帝国.pptx
+++ b/郭会玲/历史/九上/第12课 阿拉伯帝国.pptx
@@ -3910,18 +3910,6 @@
 <file path=ppt/slides/slide1.xml><?xml version="1.0" encoding="utf-8"?>
 <p:sld xmlns:a="http://schemas.openxmlformats.org/drawingml/2006/main" xmlns:r="http://schemas.openxmlformats.org/officeDocument/2006/relationships" xmlns:p="http://schemas.openxmlformats.org/presentationml/2006/main">
   <p:cSld>
-    <p:bg bwMode="auto">
-      <p:bgPr>
-        <a:blipFill dpi="0" rotWithShape="0">
-          <a:blip r:embed="rId2"/>
-          <a:srcRect/>
-          <a:stretch>
-            <a:fillRect/>
-          </a:stretch>
-        </a:blipFill>
-        <a:effectLst/>
-      </p:bgPr>
-    </p:bg>
     <p:spTree>
       <p:nvGrpSpPr>
         <p:cNvPr id="1" name=""/>
@@ -3995,18 +3983,6 @@
 <file path=ppt/slides/slide10.xml><?xml version="1.0" encoding="utf-8"?>
 <p:sld xmlns:a="http://schemas.openxmlformats.org/drawingml/2006/main" xmlns:r="http://schemas.openxmlformats.org/officeDocument/2006/relationships" xmlns:p="http://schemas.openxmlformats.org/presentationml/2006/main">
   <p:cSld>
-    <p:bg bwMode="auto">
-      <p:bgPr>
-        <a:blipFill dpi="0" rotWithShape="0">
-          <a:blip r:embed="rId2"/>
-          <a:srcRect/>
-          <a:stretch>
-            <a:fillRect/>
-          </a:stretch>
-        </a:blipFill>
-        <a:effectLst/>
-      </p:bgPr>
-    </p:bg>
     <p:spTree>
       <p:nvGrpSpPr>
         <p:cNvPr id="1" name=""/>
@@ -4036,7 +4012,7 @@
           <p:nvPr/>
         </p:nvPicPr>
         <p:blipFill>
-          <a:blip r:embed="rId3">
+          <a:blip r:embed="rId2">
             <a:extLst>
               <a:ext uri="{28A0092B-C50C-407E-A947-70E740481C1C}">
                 <a14:useLocalDpi xmlns:a14="http://schemas.microsoft.com/office/drawing/2010/main" val="0"/>
@@ -6328,18 +6304,6 @@
 <file path=ppt/slides/slide11.xml><?xml version="1.0" encoding="utf-8"?>
 <p:sld xmlns:a="http://schemas.openxmlformats.org/drawingml/2006/main" xmlns:r="http://schemas.openxmlformats.org/officeDocument/2006/relationships" xmlns:p="http://schemas.openxmlformats.org/presentationml/2006/main">
   <p:cSld>
-    <p:bg bwMode="auto">
-      <p:bgPr>
-        <a:blipFill dpi="0" rotWithShape="0">
-          <a:blip r:embed="rId2"/>
-          <a:srcRect/>
-          <a:stretch>
-            <a:fillRect/>
-          </a:stretch>
-        </a:blipFill>
-        <a:effectLst/>
-      </p:bgPr>
-    </p:bg>
     <p:spTree>
       <p:nvGrpSpPr>
         <p:cNvPr id="1" name=""/>
@@ -6369,7 +6333,7 @@
           <p:nvPr/>
         </p:nvPicPr>
         <p:blipFill>
-          <a:blip r:embed="rId3">
+          <a:blip r:embed="rId2">
             <a:clrChange>
               <a:clrFrom>
                 <a:srgbClr val="EBEAEC"/>
@@ -7609,18 +7573,6 @@
 <file path=ppt/slides/slide12.xml><?xml version="1.0" encoding="utf-8"?>
 <p:sld xmlns:a="http://schemas.openxmlformats.org/drawingml/2006/main" xmlns:r="http://schemas.openxmlformats.org/officeDocument/2006/relationships" xmlns:p="http://schemas.openxmlformats.org/presentationml/2006/main">
   <p:cSld>
-    <p:bg bwMode="auto">
-      <p:bgPr>
-        <a:blipFill dpi="0" rotWithShape="0">
-          <a:blip r:embed="rId2"/>
-          <a:srcRect/>
-          <a:stretch>
-            <a:fillRect/>
-          </a:stretch>
-        </a:blipFill>
-        <a:effectLst/>
-      </p:bgPr>
-    </p:bg>
     <p:spTree>
       <p:nvGrpSpPr>
         <p:cNvPr id="1" name=""/>
@@ -7717,7 +7669,7 @@
             <p:nvPr/>
           </p:nvPicPr>
           <p:blipFill>
-            <a:blip r:embed="rId3">
+            <a:blip r:embed="rId2">
               <a:extLst>
                 <a:ext uri="{28A0092B-C50C-407E-A947-70E740481C1C}">
                   <a14:useLocalDpi xmlns:a14="http://schemas.microsoft.com/office/drawing/2010/main" val="0"/>
@@ -8992,7 +8944,7 @@
             <p:nvPr/>
           </p:nvPicPr>
           <p:blipFill>
-            <a:blip r:embed="rId3">
+            <a:blip r:embed="rId2">
               <a:extLst>
                 <a:ext uri="{28A0092B-C50C-407E-A947-70E740481C1C}">
                   <a14:useLocalDpi xmlns:a14="http://schemas.microsoft.com/office/drawing/2010/main" val="0"/>
@@ -11781,18 +11733,6 @@
 <file path=ppt/slides/slide13.xml><?xml version="1.0" encoding="utf-8"?>
 <p:sld xmlns:a="http://schemas.openxmlformats.org/drawingml/2006/main" xmlns:r="http://schemas.openxmlformats.org/officeDocument/2006/relationships" xmlns:p="http://schemas.openxmlformats.org/presentationml/2006/main">
   <p:cSld>
-    <p:bg bwMode="auto">
-      <p:bgPr>
-        <a:blipFill dpi="0" rotWithShape="0">
-          <a:blip r:embed="rId2"/>
-          <a:srcRect/>
-          <a:stretch>
-            <a:fillRect/>
-          </a:stretch>
-        </a:blipFill>
-        <a:effectLst/>
-      </p:bgPr>
-    </p:bg>
     <p:spTree>
       <p:nvGrpSpPr>
         <p:cNvPr id="1" name=""/>
@@ -11844,7 +11784,7 @@
             <p:nvPr/>
           </p:nvPicPr>
           <p:blipFill>
-            <a:blip r:embed="rId3">
+            <a:blip r:embed="rId2">
               <a:clrChange>
                 <a:clrFrom>
                   <a:srgbClr val="FFFFFF"/>
@@ -15492,18 +15432,6 @@
 <file path=ppt/slides/slide14.xml><?xml version="1.0" encoding="utf-8"?>
 <p:sld xmlns:a="http://schemas.openxmlformats.org/drawingml/2006/main" xmlns:r="http://schemas.openxmlformats.org/officeDocument/2006/relationships" xmlns:p="http://schemas.openxmlformats.org/presentationml/2006/main">
   <p:cSld>
-    <p:bg bwMode="auto">
-      <p:bgPr>
-        <a:blipFill dpi="0" rotWithShape="0">
-          <a:blip r:embed="rId3"/>
-          <a:srcRect/>
-          <a:stretch>
-            <a:fillRect/>
-          </a:stretch>
-        </a:blipFill>
-        <a:effectLst/>
-      </p:bgPr>
-    </p:bg>
     <p:spTree>
       <p:nvGrpSpPr>
         <p:cNvPr id="1" name=""/>
@@ -15533,7 +15461,7 @@
           <p:nvPr/>
         </p:nvPicPr>
         <p:blipFill>
-          <a:blip r:embed="rId4">
+          <a:blip r:embed="rId3">
             <a:extLst>
               <a:ext uri="{28A0092B-C50C-407E-A947-70E740481C1C}">
                 <a14:useLocalDpi xmlns:a14="http://schemas.microsoft.com/office/drawing/2010/main" val="0"/>
@@ -15593,7 +15521,7 @@
           <p:nvPr/>
         </p:nvPicPr>
         <p:blipFill>
-          <a:blip r:embed="rId5">
+          <a:blip r:embed="rId4">
             <a:extLst>
               <a:ext uri="{28A0092B-C50C-407E-A947-70E740481C1C}">
                 <a14:useLocalDpi xmlns:a14="http://schemas.microsoft.com/office/drawing/2010/main" val="0"/>
@@ -16405,18 +16333,6 @@
 <file path=ppt/slides/slide3.xml><?xml version="1.0" encoding="utf-8"?>
 <p:sld xmlns:a="http://schemas.openxmlformats.org/drawingml/2006/main" xmlns:r="http://schemas.openxmlformats.org/officeDocument/2006/relationships" xmlns:p="http://schemas.openxmlformats.org/presentationml/2006/main">
   <p:cSld>
-    <p:bg bwMode="auto">
-      <p:bgPr>
-        <a:blipFill dpi="0" rotWithShape="0">
-          <a:blip r:embed="rId2"/>
-          <a:srcRect/>
-          <a:stretch>
-            <a:fillRect/>
-          </a:stretch>
-        </a:blipFill>
-        <a:effectLst/>
-      </p:bgPr>
-    </p:bg>
     <p:spTree>
       <p:nvGrpSpPr>
         <p:cNvPr id="1" name=""/>
@@ -16468,7 +16384,7 @@
             <p:nvPr/>
           </p:nvPicPr>
           <p:blipFill>
-            <a:blip r:embed="rId3">
+            <a:blip r:embed="rId2">
               <a:extLst>
                 <a:ext uri="{28A0092B-C50C-407E-A947-70E740481C1C}">
                   <a14:useLocalDpi xmlns:a14="http://schemas.microsoft.com/office/drawing/2010/main" val="0"/>
@@ -18128,18 +18044,6 @@
 <file path=ppt/slides/slide4.xml><?xml version="1.0" encoding="utf-8"?>
 <p:sld xmlns:a="http://schemas.openxmlformats.org/drawingml/2006/main" xmlns:r="http://schemas.openxmlformats.org/officeDocument/2006/relationships" xmlns:p="http://schemas.openxmlformats.org/presentationml/2006/main">
   <p:cSld>
-    <p:bg bwMode="auto">
-      <p:bgPr>
-        <a:blipFill dpi="0" rotWithShape="0">
-          <a:blip r:embed="rId2"/>
-          <a:srcRect/>
-          <a:stretch>
-            <a:fillRect/>
-          </a:stretch>
-        </a:blipFill>
-        <a:effectLst/>
-      </p:bgPr>
-    </p:bg>
     <p:spTree>
       <p:nvGrpSpPr>
         <p:cNvPr id="1" name=""/>
@@ -18169,7 +18073,7 @@
           <p:nvPr/>
         </p:nvPicPr>
         <p:blipFill>
-          <a:blip r:embed="rId3">
+          <a:blip r:embed="rId2">
             <a:extLst>
               <a:ext uri="{28A0092B-C50C-407E-A947-70E740481C1C}">
                 <a14:useLocalDpi xmlns:a14="http://schemas.microsoft.com/office/drawing/2010/main" val="0"/>
@@ -20677,7 +20581,7 @@
           <p:nvPr/>
         </p:nvPicPr>
         <p:blipFill>
-          <a:blip r:embed="rId4">
+          <a:blip r:embed="rId3">
             <a:extLst>
               <a:ext uri="{28A0092B-C50C-407E-A947-70E740481C1C}">
                 <a14:useLocalDpi xmlns:a14="http://schemas.microsoft.com/office/drawing/2010/main" val="0"/>
@@ -21448,18 +21352,6 @@
 <file path=ppt/slides/slide5.xml><?xml version="1.0" encoding="utf-8"?>
 <p:sld xmlns:a="http://schemas.openxmlformats.org/drawingml/2006/main" xmlns:r="http://schemas.openxmlformats.org/officeDocument/2006/relationships" xmlns:p="http://schemas.openxmlformats.org/presentationml/2006/main">
   <p:cSld>
-    <p:bg bwMode="auto">
-      <p:bgPr>
-        <a:blipFill dpi="0" rotWithShape="0">
-          <a:blip r:embed="rId2"/>
-          <a:srcRect/>
-          <a:stretch>
-            <a:fillRect/>
-          </a:stretch>
-        </a:blipFill>
-        <a:effectLst/>
-      </p:bgPr>
-    </p:bg>
     <p:spTree>
       <p:nvGrpSpPr>
         <p:cNvPr id="1" name=""/>
@@ -24803,18 +24695,6 @@
 <file path=ppt/slides/slide6.xml><?xml version="1.0" encoding="utf-8"?>
 <p:sld xmlns:a="http://schemas.openxmlformats.org/drawingml/2006/main" xmlns:r="http://schemas.openxmlformats.org/officeDocument/2006/relationships" xmlns:p="http://schemas.openxmlformats.org/presentationml/2006/main">
   <p:cSld>
-    <p:bg bwMode="auto">
-      <p:bgPr>
-        <a:blipFill dpi="0" rotWithShape="0">
-          <a:blip r:embed="rId2"/>
-          <a:srcRect/>
-          <a:stretch>
-            <a:fillRect/>
-          </a:stretch>
-        </a:blipFill>
-        <a:effectLst/>
-      </p:bgPr>
-    </p:bg>
     <p:spTree>
       <p:nvGrpSpPr>
         <p:cNvPr id="1" name=""/>
@@ -24844,7 +24724,7 @@
           <p:nvPr/>
         </p:nvPicPr>
         <p:blipFill>
-          <a:blip r:embed="rId3">
+          <a:blip r:embed="rId2">
             <a:extLst>
               <a:ext uri="{28A0092B-C50C-407E-A947-70E740481C1C}">
                 <a14:useLocalDpi xmlns:a14="http://schemas.microsoft.com/office/drawing/2010/main" val="0"/>
@@ -25072,18 +24952,6 @@
 <file path=ppt/slides/slide7.xml><?xml version="1.0" encoding="utf-8"?>
 <p:sld xmlns:a="http://schemas.openxmlformats.org/drawingml/2006/main" xmlns:r="http://schemas.openxmlformats.org/officeDocument/2006/relationships" xmlns:p="http://schemas.openxmlformats.org/presentationml/2006/main">
   <p:cSld>
-    <p:bg bwMode="auto">
-      <p:bgPr>
-        <a:blipFill dpi="0" rotWithShape="0">
-          <a:blip r:embed="rId2"/>
-          <a:srcRect/>
-          <a:stretch>
-            <a:fillRect/>
-          </a:stretch>
-        </a:blipFill>
-        <a:effectLst/>
-      </p:bgPr>
-    </p:bg>
     <p:spTree>
       <p:nvGrpSpPr>
         <p:cNvPr id="1" name=""/>
@@ -25113,7 +24981,7 @@
           <p:nvPr/>
         </p:nvPicPr>
         <p:blipFill>
-          <a:blip r:embed="rId3">
+          <a:blip r:embed="rId2">
             <a:extLst>
               <a:ext uri="{28A0092B-C50C-407E-A947-70E740481C1C}">
                 <a14:useLocalDpi xmlns:a14="http://schemas.microsoft.com/office/drawing/2010/main" val="0"/>
@@ -25173,7 +25041,7 @@
           <p:nvPr/>
         </p:nvPicPr>
         <p:blipFill>
-          <a:blip r:embed="rId4">
+          <a:blip r:embed="rId3">
             <a:extLst>
               <a:ext uri="{28A0092B-C50C-407E-A947-70E740481C1C}">
                 <a14:useLocalDpi xmlns:a14="http://schemas.microsoft.com/office/drawing/2010/main" val="0"/>
@@ -25233,7 +25101,7 @@
           <p:nvPr/>
         </p:nvPicPr>
         <p:blipFill>
-          <a:blip r:embed="rId4">
+          <a:blip r:embed="rId3">
             <a:extLst>
               <a:ext uri="{28A0092B-C50C-407E-A947-70E740481C1C}">
                 <a14:useLocalDpi xmlns:a14="http://schemas.microsoft.com/office/drawing/2010/main" val="0"/>
@@ -25293,7 +25161,7 @@
           <p:nvPr/>
         </p:nvPicPr>
         <p:blipFill>
-          <a:blip r:embed="rId4">
+          <a:blip r:embed="rId3">
             <a:extLst>
               <a:ext uri="{28A0092B-C50C-407E-A947-70E740481C1C}">
                 <a14:useLocalDpi xmlns:a14="http://schemas.microsoft.com/office/drawing/2010/main" val="0"/>
@@ -25353,7 +25221,7 @@
           <p:nvPr/>
         </p:nvPicPr>
         <p:blipFill>
-          <a:blip r:embed="rId4">
+          <a:blip r:embed="rId3">
             <a:extLst>
               <a:ext uri="{28A0092B-C50C-407E-A947-70E740481C1C}">
                 <a14:useLocalDpi xmlns:a14="http://schemas.microsoft.com/office/drawing/2010/main" val="0"/>
@@ -25413,7 +25281,7 @@
           <p:nvPr/>
         </p:nvPicPr>
         <p:blipFill>
-          <a:blip r:embed="rId4">
+          <a:blip r:embed="rId3">
             <a:extLst>
               <a:ext uri="{28A0092B-C50C-407E-A947-70E740481C1C}">
                 <a14:useLocalDpi xmlns:a14="http://schemas.microsoft.com/office/drawing/2010/main" val="0"/>
@@ -25473,7 +25341,7 @@
           <p:nvPr/>
         </p:nvPicPr>
         <p:blipFill>
-          <a:blip r:embed="rId4">
+          <a:blip r:embed="rId3">
             <a:extLst>
               <a:ext uri="{28A0092B-C50C-407E-A947-70E740481C1C}">
                 <a14:useLocalDpi xmlns:a14="http://schemas.microsoft.com/office/drawing/2010/main" val="0"/>
@@ -25533,7 +25401,7 @@
           <p:nvPr/>
         </p:nvPicPr>
         <p:blipFill>
-          <a:blip r:embed="rId4">
+          <a:blip r:embed="rId3">
             <a:extLst>
               <a:ext uri="{28A0092B-C50C-407E-A947-70E740481C1C}">
                 <a14:useLocalDpi xmlns:a14="http://schemas.microsoft.com/office/drawing/2010/main" val="0"/>
@@ -25593,7 +25461,7 @@
           <p:nvPr/>
         </p:nvPicPr>
         <p:blipFill>
-          <a:blip r:embed="rId4">
+          <a:blip r:embed="rId3">
             <a:extLst>
               <a:ext uri="{28A0092B-C50C-407E-A947-70E740481C1C}">
                 <a14:useLocalDpi xmlns:a14="http://schemas.microsoft.com/office/drawing/2010/main" val="0"/>
@@ -26171,18 +26039,6 @@
 <file path=ppt/slides/slide8.xml><?xml version="1.0" encoding="utf-8"?>
 <p:sld xmlns:a="http://schemas.openxmlformats.org/drawingml/2006/main" xmlns:r="http://schemas.openxmlformats.org/officeDocument/2006/relationships" xmlns:p="http://schemas.openxmlformats.org/presentationml/2006/main">
   <p:cSld>
-    <p:bg bwMode="auto">
-      <p:bgPr>
-        <a:blipFill dpi="0" rotWithShape="0">
-          <a:blip r:embed="rId2"/>
-          <a:srcRect/>
-          <a:stretch>
-            <a:fillRect/>
-          </a:stretch>
-        </a:blipFill>
-        <a:effectLst/>
-      </p:bgPr>
-    </p:bg>
     <p:spTree>
       <p:nvGrpSpPr>
         <p:cNvPr id="1" name=""/>
@@ -26212,7 +26068,7 @@
           <p:nvPr/>
         </p:nvPicPr>
         <p:blipFill>
-          <a:blip r:embed="rId3">
+          <a:blip r:embed="rId2">
             <a:extLst>
               <a:ext uri="{28A0092B-C50C-407E-A947-70E740481C1C}">
                 <a14:useLocalDpi xmlns:a14="http://schemas.microsoft.com/office/drawing/2010/main" val="0"/>
@@ -26909,18 +26765,6 @@
 <file path=ppt/slides/slide9.xml><?xml version="1.0" encoding="utf-8"?>
 <p:sld xmlns:a="http://schemas.openxmlformats.org/drawingml/2006/main" xmlns:r="http://schemas.openxmlformats.org/officeDocument/2006/relationships" xmlns:p="http://schemas.openxmlformats.org/presentationml/2006/main">
   <p:cSld>
-    <p:bg bwMode="auto">
-      <p:bgPr>
-        <a:blipFill dpi="0" rotWithShape="0">
-          <a:blip r:embed="rId2"/>
-          <a:srcRect/>
-          <a:stretch>
-            <a:fillRect/>
-          </a:stretch>
-        </a:blipFill>
-        <a:effectLst/>
-      </p:bgPr>
-    </p:bg>
     <p:spTree>
       <p:nvGrpSpPr>
         <p:cNvPr id="1" name=""/>
@@ -27140,7 +26984,7 @@
           <p:nvPr/>
         </p:nvPicPr>
         <p:blipFill>
-          <a:blip r:embed="rId3">
+          <a:blip r:embed="rId2">
             <a:extLst>
               <a:ext uri="{28A0092B-C50C-407E-A947-70E740481C1C}">
                 <a14:useLocalDpi xmlns:a14="http://schemas.microsoft.com/office/drawing/2010/main" val="0"/>
@@ -27200,7 +27044,7 @@
           <p:nvPr/>
         </p:nvPicPr>
         <p:blipFill>
-          <a:blip r:embed="rId4">
+          <a:blip r:embed="rId3">
             <a:extLst>
               <a:ext uri="{28A0092B-C50C-407E-A947-70E740481C1C}">
                 <a14:useLocalDpi xmlns:a14="http://schemas.microsoft.com/office/drawing/2010/main" val="0"/>

--- a/郭会玲/历史/九上/第12课 阿拉伯帝国.pptx
+++ b/郭会玲/历史/九上/第12课 阿拉伯帝国.pptx
@@ -8,7 +8,7 @@
     <p:notesMasterId r:id="rId16"/>
   </p:notesMasterIdLst>
   <p:sldIdLst>
-    <p:sldId id="309" r:id="rId2"/>
+    <p:sldId id="311" r:id="rId2"/>
     <p:sldId id="310" r:id="rId3"/>
     <p:sldId id="307" r:id="rId4"/>
     <p:sldId id="299" r:id="rId5"/>
@@ -1106,7 +1106,7 @@
           <a:p>
             <a:fld id="{4D9FFFB4-400D-1240-AB24-6F86C96D4DFB}" type="datetimeFigureOut">
               <a:rPr lang="en-US" smtClean="0"/>
-              <a:t>9/24/2019</a:t>
+              <a:t>9/25/2019</a:t>
             </a:fld>
             <a:endParaRPr lang="en-US" dirty="0"/>
           </a:p>
@@ -1429,264 +1429,6 @@
     <p:extLst>
       <p:ext uri="{BB962C8B-B14F-4D97-AF65-F5344CB8AC3E}">
         <p14:creationId xmlns:p14="http://schemas.microsoft.com/office/powerpoint/2010/main" val="1939520628"/>
-      </p:ext>
-    </p:extLst>
-  </p:cSld>
-  <p:clrMapOvr>
-    <a:masterClrMapping/>
-  </p:clrMapOvr>
-</p:sldLayout>
-</file>
-
-<file path=ppt/slideLayouts/slideLayout12.xml><?xml version="1.0" encoding="utf-8"?>
-<p:sldLayout xmlns:a="http://schemas.openxmlformats.org/drawingml/2006/main" xmlns:r="http://schemas.openxmlformats.org/officeDocument/2006/relationships" xmlns:p="http://schemas.openxmlformats.org/presentationml/2006/main" type="title">
-  <p:cSld name="1_标题幻灯片">
-    <p:spTree>
-      <p:nvGrpSpPr>
-        <p:cNvPr id="1" name=""/>
-        <p:cNvGrpSpPr/>
-        <p:nvPr/>
-      </p:nvGrpSpPr>
-      <p:grpSpPr>
-        <a:xfrm>
-          <a:off x="0" y="0"/>
-          <a:ext cx="0" cy="0"/>
-          <a:chOff x="0" y="0"/>
-          <a:chExt cx="0" cy="0"/>
-        </a:xfrm>
-      </p:grpSpPr>
-      <p:sp>
-        <p:nvSpPr>
-          <p:cNvPr id="2" name="Title 1"/>
-          <p:cNvSpPr>
-            <a:spLocks noGrp="1"/>
-          </p:cNvSpPr>
-          <p:nvPr>
-            <p:ph type="ctrTitle"/>
-          </p:nvPr>
-        </p:nvSpPr>
-        <p:spPr>
-          <a:xfrm>
-            <a:off x="1942416" y="2514601"/>
-            <a:ext cx="6600451" cy="2262781"/>
-          </a:xfrm>
-        </p:spPr>
-        <p:txBody>
-          <a:bodyPr anchor="b">
-            <a:normAutofit/>
-          </a:bodyPr>
-          <a:lstStyle>
-            <a:lvl1pPr>
-              <a:defRPr sz="5400"/>
-            </a:lvl1pPr>
-          </a:lstStyle>
-          <a:p>
-            <a:r>
-              <a:rPr lang="zh-CN" altLang="en-US"/>
-              <a:t>单击此处编辑母版标题样式</a:t>
-            </a:r>
-            <a:endParaRPr lang="en-US" dirty="0"/>
-          </a:p>
-        </p:txBody>
-      </p:sp>
-      <p:sp>
-        <p:nvSpPr>
-          <p:cNvPr id="3" name="Subtitle 2"/>
-          <p:cNvSpPr>
-            <a:spLocks noGrp="1"/>
-          </p:cNvSpPr>
-          <p:nvPr>
-            <p:ph type="subTitle" idx="1"/>
-          </p:nvPr>
-        </p:nvSpPr>
-        <p:spPr>
-          <a:xfrm>
-            <a:off x="1942416" y="4777380"/>
-            <a:ext cx="6600451" cy="1126283"/>
-          </a:xfrm>
-        </p:spPr>
-        <p:txBody>
-          <a:bodyPr anchor="t"/>
-          <a:lstStyle>
-            <a:lvl1pPr marL="0" indent="0" algn="l">
-              <a:buNone/>
-              <a:defRPr>
-                <a:solidFill>
-                  <a:schemeClr val="tx1">
-                    <a:lumMod val="65000"/>
-                    <a:lumOff val="35000"/>
-                  </a:schemeClr>
-                </a:solidFill>
-              </a:defRPr>
-            </a:lvl1pPr>
-            <a:lvl2pPr marL="457200" indent="0" algn="ctr">
-              <a:buNone/>
-              <a:defRPr>
-                <a:solidFill>
-                  <a:schemeClr val="tx1">
-                    <a:tint val="75000"/>
-                  </a:schemeClr>
-                </a:solidFill>
-              </a:defRPr>
-            </a:lvl2pPr>
-            <a:lvl3pPr marL="914400" indent="0" algn="ctr">
-              <a:buNone/>
-              <a:defRPr>
-                <a:solidFill>
-                  <a:schemeClr val="tx1">
-                    <a:tint val="75000"/>
-                  </a:schemeClr>
-                </a:solidFill>
-              </a:defRPr>
-            </a:lvl3pPr>
-            <a:lvl4pPr marL="1371600" indent="0" algn="ctr">
-              <a:buNone/>
-              <a:defRPr>
-                <a:solidFill>
-                  <a:schemeClr val="tx1">
-                    <a:tint val="75000"/>
-                  </a:schemeClr>
-                </a:solidFill>
-              </a:defRPr>
-            </a:lvl4pPr>
-            <a:lvl5pPr marL="1828800" indent="0" algn="ctr">
-              <a:buNone/>
-              <a:defRPr>
-                <a:solidFill>
-                  <a:schemeClr val="tx1">
-                    <a:tint val="75000"/>
-                  </a:schemeClr>
-                </a:solidFill>
-              </a:defRPr>
-            </a:lvl5pPr>
-            <a:lvl6pPr marL="2286000" indent="0" algn="ctr">
-              <a:buNone/>
-              <a:defRPr>
-                <a:solidFill>
-                  <a:schemeClr val="tx1">
-                    <a:tint val="75000"/>
-                  </a:schemeClr>
-                </a:solidFill>
-              </a:defRPr>
-            </a:lvl6pPr>
-            <a:lvl7pPr marL="2743200" indent="0" algn="ctr">
-              <a:buNone/>
-              <a:defRPr>
-                <a:solidFill>
-                  <a:schemeClr val="tx1">
-                    <a:tint val="75000"/>
-                  </a:schemeClr>
-                </a:solidFill>
-              </a:defRPr>
-            </a:lvl7pPr>
-            <a:lvl8pPr marL="3200400" indent="0" algn="ctr">
-              <a:buNone/>
-              <a:defRPr>
-                <a:solidFill>
-                  <a:schemeClr val="tx1">
-                    <a:tint val="75000"/>
-                  </a:schemeClr>
-                </a:solidFill>
-              </a:defRPr>
-            </a:lvl8pPr>
-            <a:lvl9pPr marL="3657600" indent="0" algn="ctr">
-              <a:buNone/>
-              <a:defRPr>
-                <a:solidFill>
-                  <a:schemeClr val="tx1">
-                    <a:tint val="75000"/>
-                  </a:schemeClr>
-                </a:solidFill>
-              </a:defRPr>
-            </a:lvl9pPr>
-          </a:lstStyle>
-          <a:p>
-            <a:r>
-              <a:rPr lang="zh-CN" altLang="en-US"/>
-              <a:t>单击此处编辑母版副标题样式</a:t>
-            </a:r>
-            <a:endParaRPr lang="en-US" dirty="0"/>
-          </a:p>
-        </p:txBody>
-      </p:sp>
-      <p:sp>
-        <p:nvSpPr>
-          <p:cNvPr id="4" name="Date Placeholder 3"/>
-          <p:cNvSpPr>
-            <a:spLocks noGrp="1"/>
-          </p:cNvSpPr>
-          <p:nvPr>
-            <p:ph type="dt" sz="half" idx="10"/>
-          </p:nvPr>
-        </p:nvSpPr>
-        <p:spPr/>
-        <p:txBody>
-          <a:bodyPr/>
-          <a:lstStyle/>
-          <a:p>
-            <a:fld id="{583A977F-2504-E741-85B4-8F01994E1F25}" type="datetimeFigureOut">
-              <a:rPr lang="en-US" dirty="0"/>
-              <a:t>9/24/2019</a:t>
-            </a:fld>
-            <a:endParaRPr lang="en-US" dirty="0"/>
-          </a:p>
-        </p:txBody>
-      </p:sp>
-      <p:sp>
-        <p:nvSpPr>
-          <p:cNvPr id="5" name="Footer Placeholder 4"/>
-          <p:cNvSpPr>
-            <a:spLocks noGrp="1"/>
-          </p:cNvSpPr>
-          <p:nvPr>
-            <p:ph type="ftr" sz="quarter" idx="11"/>
-          </p:nvPr>
-        </p:nvSpPr>
-        <p:spPr/>
-        <p:txBody>
-          <a:bodyPr/>
-          <a:lstStyle/>
-          <a:p>
-            <a:pPr>
-              <a:defRPr/>
-            </a:pPr>
-            <a:endParaRPr lang="en-US" altLang="zh-CN"/>
-          </a:p>
-        </p:txBody>
-      </p:sp>
-      <p:sp>
-        <p:nvSpPr>
-          <p:cNvPr id="6" name="Slide Number Placeholder 5"/>
-          <p:cNvSpPr>
-            <a:spLocks noGrp="1"/>
-          </p:cNvSpPr>
-          <p:nvPr>
-            <p:ph type="sldNum" sz="quarter" idx="12"/>
-          </p:nvPr>
-        </p:nvSpPr>
-        <p:spPr>
-          <a:xfrm>
-            <a:off x="423334" y="4529541"/>
-            <a:ext cx="584978" cy="365125"/>
-          </a:xfrm>
-        </p:spPr>
-        <p:txBody>
-          <a:bodyPr/>
-          <a:lstStyle/>
-          <a:p>
-            <a:fld id="{D57F1E4F-1CFF-5643-939E-217C01CDF565}" type="slidenum">
-              <a:rPr lang="en-US" dirty="0"/>
-              <a:pPr/>
-              <a:t>‹#›</a:t>
-            </a:fld>
-            <a:endParaRPr lang="en-US" dirty="0"/>
-          </a:p>
-        </p:txBody>
-      </p:sp>
-    </p:spTree>
-    <p:extLst>
-      <p:ext uri="{BB962C8B-B14F-4D97-AF65-F5344CB8AC3E}">
-        <p14:creationId xmlns:p14="http://schemas.microsoft.com/office/powerpoint/2010/main" val="317598676"/>
       </p:ext>
     </p:extLst>
   </p:cSld>
@@ -3217,7 +2959,7 @@
     <p:bg>
       <p:bgPr>
         <a:blipFill dpi="0" rotWithShape="0">
-          <a:blip r:embed="rId14"/>
+          <a:blip r:embed="rId13"/>
           <a:srcRect/>
           <a:stretch>
             <a:fillRect/>
@@ -3492,7 +3234,6 @@
     <p:sldLayoutId id="2147483769" r:id="rId9"/>
     <p:sldLayoutId id="2147483770" r:id="rId10"/>
     <p:sldLayoutId id="2147483771" r:id="rId11"/>
-    <p:sldLayoutId id="2147483772" r:id="rId12"/>
   </p:sldLayoutIdLst>
   <p:txStyles>
     <p:titleStyle>
@@ -3926,18 +3667,18 @@
       </p:grpSpPr>
       <p:sp>
         <p:nvSpPr>
-          <p:cNvPr id="3074" name="标题 48129">
+          <p:cNvPr id="2" name="标题 1">
             <a:extLst>
               <a:ext uri="{FF2B5EF4-FFF2-40B4-BE49-F238E27FC236}">
-                <a16:creationId xmlns:a16="http://schemas.microsoft.com/office/drawing/2014/main" id="{88DD64B6-FC31-4B3F-8E86-7C567101575E}"/>
+                <a16:creationId xmlns:a16="http://schemas.microsoft.com/office/drawing/2014/main" id="{0F619308-4528-45E9-AC85-C9E46A69A864}"/>
               </a:ext>
             </a:extLst>
           </p:cNvPr>
           <p:cNvSpPr>
-            <a:spLocks noGrp="1" noChangeArrowheads="1"/>
+            <a:spLocks noGrp="1"/>
           </p:cNvSpPr>
           <p:nvPr>
-            <p:ph type="ctrTitle"/>
+            <p:ph type="title"/>
           </p:nvPr>
         </p:nvSpPr>
         <p:spPr/>
@@ -3945,26 +3686,27 @@
           <a:bodyPr/>
           <a:lstStyle/>
           <a:p>
+            <a:pPr algn="ctr"/>
             <a:r>
-              <a:rPr lang="zh-CN" altLang="en-US" b="1" dirty="0">
-                <a:solidFill>
-                  <a:srgbClr val="00B050"/>
+              <a:rPr lang="zh-CN" altLang="en-US" dirty="0">
+                <a:solidFill>
+                  <a:srgbClr val="FF0000"/>
                 </a:solidFill>
               </a:rPr>
               <a:t>第</a:t>
             </a:r>
             <a:r>
-              <a:rPr lang="en-US" altLang="zh-CN" b="1" dirty="0">
-                <a:solidFill>
-                  <a:srgbClr val="00B050"/>
+              <a:rPr lang="en-US" altLang="zh-CN" dirty="0">
+                <a:solidFill>
+                  <a:srgbClr val="FF0000"/>
                 </a:solidFill>
               </a:rPr>
               <a:t>12</a:t>
             </a:r>
             <a:r>
-              <a:rPr lang="zh-CN" altLang="en-US" b="1" dirty="0">
-                <a:solidFill>
-                  <a:srgbClr val="00B050"/>
+              <a:rPr lang="zh-CN" altLang="en-US" dirty="0">
+                <a:solidFill>
+                  <a:srgbClr val="FF0000"/>
                 </a:solidFill>
               </a:rPr>
               <a:t>课 阿拉伯帝国</a:t>
@@ -3972,7 +3714,46 @@
           </a:p>
         </p:txBody>
       </p:sp>
+      <p:sp>
+        <p:nvSpPr>
+          <p:cNvPr id="3" name="文本占位符 2">
+            <a:extLst>
+              <a:ext uri="{FF2B5EF4-FFF2-40B4-BE49-F238E27FC236}">
+                <a16:creationId xmlns:a16="http://schemas.microsoft.com/office/drawing/2014/main" id="{DB478E93-FC3C-4A5E-833E-EBEB27CBCEB7}"/>
+              </a:ext>
+            </a:extLst>
+          </p:cNvPr>
+          <p:cNvSpPr>
+            <a:spLocks noGrp="1"/>
+          </p:cNvSpPr>
+          <p:nvPr>
+            <p:ph type="body" idx="1"/>
+          </p:nvPr>
+        </p:nvSpPr>
+        <p:spPr>
+          <a:xfrm>
+            <a:off x="539552" y="1896506"/>
+            <a:ext cx="7772400" cy="1500187"/>
+          </a:xfrm>
+        </p:spPr>
+        <p:txBody>
+          <a:bodyPr/>
+          <a:lstStyle/>
+          <a:p>
+            <a:pPr algn="ctr"/>
+            <a:r>
+              <a:rPr lang="zh-CN" altLang="en-US" sz="4400" dirty="0"/>
+              <a:t>第四单元 封建时代的亚洲国家</a:t>
+            </a:r>
+          </a:p>
+        </p:txBody>
+      </p:sp>
     </p:spTree>
+    <p:extLst>
+      <p:ext uri="{BB962C8B-B14F-4D97-AF65-F5344CB8AC3E}">
+        <p14:creationId xmlns:p14="http://schemas.microsoft.com/office/powerpoint/2010/main" val="396031409"/>
+      </p:ext>
+    </p:extLst>
   </p:cSld>
   <p:clrMapOvr>
     <a:masterClrMapping/>
@@ -3983,6 +3764,18 @@
 <file path=ppt/slides/slide10.xml><?xml version="1.0" encoding="utf-8"?>
 <p:sld xmlns:a="http://schemas.openxmlformats.org/drawingml/2006/main" xmlns:r="http://schemas.openxmlformats.org/officeDocument/2006/relationships" xmlns:p="http://schemas.openxmlformats.org/presentationml/2006/main">
   <p:cSld>
+    <p:bg bwMode="auto">
+      <p:bgPr>
+        <a:blipFill dpi="0" rotWithShape="0">
+          <a:blip r:embed="rId2"/>
+          <a:srcRect/>
+          <a:stretch>
+            <a:fillRect/>
+          </a:stretch>
+        </a:blipFill>
+        <a:effectLst/>
+      </p:bgPr>
+    </p:bg>
     <p:spTree>
       <p:nvGrpSpPr>
         <p:cNvPr id="1" name=""/>
@@ -4012,7 +3805,7 @@
           <p:nvPr/>
         </p:nvPicPr>
         <p:blipFill>
-          <a:blip r:embed="rId2">
+          <a:blip r:embed="rId3">
             <a:extLst>
               <a:ext uri="{28A0092B-C50C-407E-A947-70E740481C1C}">
                 <a14:useLocalDpi xmlns:a14="http://schemas.microsoft.com/office/drawing/2010/main" val="0"/>
@@ -6304,6 +6097,18 @@
 <file path=ppt/slides/slide11.xml><?xml version="1.0" encoding="utf-8"?>
 <p:sld xmlns:a="http://schemas.openxmlformats.org/drawingml/2006/main" xmlns:r="http://schemas.openxmlformats.org/officeDocument/2006/relationships" xmlns:p="http://schemas.openxmlformats.org/presentationml/2006/main">
   <p:cSld>
+    <p:bg bwMode="auto">
+      <p:bgPr>
+        <a:blipFill dpi="0" rotWithShape="0">
+          <a:blip r:embed="rId2"/>
+          <a:srcRect/>
+          <a:stretch>
+            <a:fillRect/>
+          </a:stretch>
+        </a:blipFill>
+        <a:effectLst/>
+      </p:bgPr>
+    </p:bg>
     <p:spTree>
       <p:nvGrpSpPr>
         <p:cNvPr id="1" name=""/>
@@ -6333,7 +6138,7 @@
           <p:nvPr/>
         </p:nvPicPr>
         <p:blipFill>
-          <a:blip r:embed="rId2">
+          <a:blip r:embed="rId3">
             <a:clrChange>
               <a:clrFrom>
                 <a:srgbClr val="EBEAEC"/>
@@ -7573,6 +7378,18 @@
 <file path=ppt/slides/slide12.xml><?xml version="1.0" encoding="utf-8"?>
 <p:sld xmlns:a="http://schemas.openxmlformats.org/drawingml/2006/main" xmlns:r="http://schemas.openxmlformats.org/officeDocument/2006/relationships" xmlns:p="http://schemas.openxmlformats.org/presentationml/2006/main">
   <p:cSld>
+    <p:bg bwMode="auto">
+      <p:bgPr>
+        <a:blipFill dpi="0" rotWithShape="0">
+          <a:blip r:embed="rId2"/>
+          <a:srcRect/>
+          <a:stretch>
+            <a:fillRect/>
+          </a:stretch>
+        </a:blipFill>
+        <a:effectLst/>
+      </p:bgPr>
+    </p:bg>
     <p:spTree>
       <p:nvGrpSpPr>
         <p:cNvPr id="1" name=""/>
@@ -7669,7 +7486,7 @@
             <p:nvPr/>
           </p:nvPicPr>
           <p:blipFill>
-            <a:blip r:embed="rId2">
+            <a:blip r:embed="rId3">
               <a:extLst>
                 <a:ext uri="{28A0092B-C50C-407E-A947-70E740481C1C}">
                   <a14:useLocalDpi xmlns:a14="http://schemas.microsoft.com/office/drawing/2010/main" val="0"/>
@@ -8944,7 +8761,7 @@
             <p:nvPr/>
           </p:nvPicPr>
           <p:blipFill>
-            <a:blip r:embed="rId2">
+            <a:blip r:embed="rId3">
               <a:extLst>
                 <a:ext uri="{28A0092B-C50C-407E-A947-70E740481C1C}">
                   <a14:useLocalDpi xmlns:a14="http://schemas.microsoft.com/office/drawing/2010/main" val="0"/>
@@ -11733,6 +11550,18 @@
 <file path=ppt/slides/slide13.xml><?xml version="1.0" encoding="utf-8"?>
 <p:sld xmlns:a="http://schemas.openxmlformats.org/drawingml/2006/main" xmlns:r="http://schemas.openxmlformats.org/officeDocument/2006/relationships" xmlns:p="http://schemas.openxmlformats.org/presentationml/2006/main">
   <p:cSld>
+    <p:bg bwMode="auto">
+      <p:bgPr>
+        <a:blipFill dpi="0" rotWithShape="0">
+          <a:blip r:embed="rId2"/>
+          <a:srcRect/>
+          <a:stretch>
+            <a:fillRect/>
+          </a:stretch>
+        </a:blipFill>
+        <a:effectLst/>
+      </p:bgPr>
+    </p:bg>
     <p:spTree>
       <p:nvGrpSpPr>
         <p:cNvPr id="1" name=""/>
@@ -11784,7 +11613,7 @@
             <p:nvPr/>
           </p:nvPicPr>
           <p:blipFill>
-            <a:blip r:embed="rId2">
+            <a:blip r:embed="rId3">
               <a:clrChange>
                 <a:clrFrom>
                   <a:srgbClr val="FFFFFF"/>
@@ -15432,6 +15261,18 @@
 <file path=ppt/slides/slide14.xml><?xml version="1.0" encoding="utf-8"?>
 <p:sld xmlns:a="http://schemas.openxmlformats.org/drawingml/2006/main" xmlns:r="http://schemas.openxmlformats.org/officeDocument/2006/relationships" xmlns:p="http://schemas.openxmlformats.org/presentationml/2006/main">
   <p:cSld>
+    <p:bg bwMode="auto">
+      <p:bgPr>
+        <a:blipFill dpi="0" rotWithShape="0">
+          <a:blip r:embed="rId3"/>
+          <a:srcRect/>
+          <a:stretch>
+            <a:fillRect/>
+          </a:stretch>
+        </a:blipFill>
+        <a:effectLst/>
+      </p:bgPr>
+    </p:bg>
     <p:spTree>
       <p:nvGrpSpPr>
         <p:cNvPr id="1" name=""/>
@@ -15461,7 +15302,7 @@
           <p:nvPr/>
         </p:nvPicPr>
         <p:blipFill>
-          <a:blip r:embed="rId3">
+          <a:blip r:embed="rId4">
             <a:extLst>
               <a:ext uri="{28A0092B-C50C-407E-A947-70E740481C1C}">
                 <a14:useLocalDpi xmlns:a14="http://schemas.microsoft.com/office/drawing/2010/main" val="0"/>
@@ -15521,7 +15362,7 @@
           <p:nvPr/>
         </p:nvPicPr>
         <p:blipFill>
-          <a:blip r:embed="rId4">
+          <a:blip r:embed="rId5">
             <a:extLst>
               <a:ext uri="{28A0092B-C50C-407E-A947-70E740481C1C}">
                 <a14:useLocalDpi xmlns:a14="http://schemas.microsoft.com/office/drawing/2010/main" val="0"/>
@@ -18044,6 +17885,18 @@
 <file path=ppt/slides/slide4.xml><?xml version="1.0" encoding="utf-8"?>
 <p:sld xmlns:a="http://schemas.openxmlformats.org/drawingml/2006/main" xmlns:r="http://schemas.openxmlformats.org/officeDocument/2006/relationships" xmlns:p="http://schemas.openxmlformats.org/presentationml/2006/main">
   <p:cSld>
+    <p:bg bwMode="auto">
+      <p:bgPr>
+        <a:blipFill dpi="0" rotWithShape="0">
+          <a:blip r:embed="rId2"/>
+          <a:srcRect/>
+          <a:stretch>
+            <a:fillRect/>
+          </a:stretch>
+        </a:blipFill>
+        <a:effectLst/>
+      </p:bgPr>
+    </p:bg>
     <p:spTree>
       <p:nvGrpSpPr>
         <p:cNvPr id="1" name=""/>
@@ -18073,7 +17926,7 @@
           <p:nvPr/>
         </p:nvPicPr>
         <p:blipFill>
-          <a:blip r:embed="rId2">
+          <a:blip r:embed="rId3">
             <a:extLst>
               <a:ext uri="{28A0092B-C50C-407E-A947-70E740481C1C}">
                 <a14:useLocalDpi xmlns:a14="http://schemas.microsoft.com/office/drawing/2010/main" val="0"/>
@@ -20581,7 +20434,7 @@
           <p:nvPr/>
         </p:nvPicPr>
         <p:blipFill>
-          <a:blip r:embed="rId3">
+          <a:blip r:embed="rId4">
             <a:extLst>
               <a:ext uri="{28A0092B-C50C-407E-A947-70E740481C1C}">
                 <a14:useLocalDpi xmlns:a14="http://schemas.microsoft.com/office/drawing/2010/main" val="0"/>
@@ -21352,6 +21205,18 @@
 <file path=ppt/slides/slide5.xml><?xml version="1.0" encoding="utf-8"?>
 <p:sld xmlns:a="http://schemas.openxmlformats.org/drawingml/2006/main" xmlns:r="http://schemas.openxmlformats.org/officeDocument/2006/relationships" xmlns:p="http://schemas.openxmlformats.org/presentationml/2006/main">
   <p:cSld>
+    <p:bg bwMode="auto">
+      <p:bgPr>
+        <a:blipFill dpi="0" rotWithShape="0">
+          <a:blip r:embed="rId2"/>
+          <a:srcRect/>
+          <a:stretch>
+            <a:fillRect/>
+          </a:stretch>
+        </a:blipFill>
+        <a:effectLst/>
+      </p:bgPr>
+    </p:bg>
     <p:spTree>
       <p:nvGrpSpPr>
         <p:cNvPr id="1" name=""/>
@@ -24695,6 +24560,18 @@
 <file path=ppt/slides/slide6.xml><?xml version="1.0" encoding="utf-8"?>
 <p:sld xmlns:a="http://schemas.openxmlformats.org/drawingml/2006/main" xmlns:r="http://schemas.openxmlformats.org/officeDocument/2006/relationships" xmlns:p="http://schemas.openxmlformats.org/presentationml/2006/main">
   <p:cSld>
+    <p:bg bwMode="auto">
+      <p:bgPr>
+        <a:blipFill dpi="0" rotWithShape="0">
+          <a:blip r:embed="rId2"/>
+          <a:srcRect/>
+          <a:stretch>
+            <a:fillRect/>
+          </a:stretch>
+        </a:blipFill>
+        <a:effectLst/>
+      </p:bgPr>
+    </p:bg>
     <p:spTree>
       <p:nvGrpSpPr>
         <p:cNvPr id="1" name=""/>
@@ -24724,7 +24601,7 @@
           <p:nvPr/>
         </p:nvPicPr>
         <p:blipFill>
-          <a:blip r:embed="rId2">
+          <a:blip r:embed="rId3">
             <a:extLst>
               <a:ext uri="{28A0092B-C50C-407E-A947-70E740481C1C}">
                 <a14:useLocalDpi xmlns:a14="http://schemas.microsoft.com/office/drawing/2010/main" val="0"/>
@@ -24952,6 +24829,18 @@
 <file path=ppt/slides/slide7.xml><?xml version="1.0" encoding="utf-8"?>
 <p:sld xmlns:a="http://schemas.openxmlformats.org/drawingml/2006/main" xmlns:r="http://schemas.openxmlformats.org/officeDocument/2006/relationships" xmlns:p="http://schemas.openxmlformats.org/presentationml/2006/main">
   <p:cSld>
+    <p:bg bwMode="auto">
+      <p:bgPr>
+        <a:blipFill dpi="0" rotWithShape="0">
+          <a:blip r:embed="rId2"/>
+          <a:srcRect/>
+          <a:stretch>
+            <a:fillRect/>
+          </a:stretch>
+        </a:blipFill>
+        <a:effectLst/>
+      </p:bgPr>
+    </p:bg>
     <p:spTree>
       <p:nvGrpSpPr>
         <p:cNvPr id="1" name=""/>
@@ -24981,7 +24870,7 @@
           <p:nvPr/>
         </p:nvPicPr>
         <p:blipFill>
-          <a:blip r:embed="rId2">
+          <a:blip r:embed="rId3">
             <a:extLst>
               <a:ext uri="{28A0092B-C50C-407E-A947-70E740481C1C}">
                 <a14:useLocalDpi xmlns:a14="http://schemas.microsoft.com/office/drawing/2010/main" val="0"/>
@@ -25041,7 +24930,7 @@
           <p:nvPr/>
         </p:nvPicPr>
         <p:blipFill>
-          <a:blip r:embed="rId3">
+          <a:blip r:embed="rId4">
             <a:extLst>
               <a:ext uri="{28A0092B-C50C-407E-A947-70E740481C1C}">
                 <a14:useLocalDpi xmlns:a14="http://schemas.microsoft.com/office/drawing/2010/main" val="0"/>
@@ -25101,7 +24990,7 @@
           <p:nvPr/>
         </p:nvPicPr>
         <p:blipFill>
-          <a:blip r:embed="rId3">
+          <a:blip r:embed="rId4">
             <a:extLst>
               <a:ext uri="{28A0092B-C50C-407E-A947-70E740481C1C}">
                 <a14:useLocalDpi xmlns:a14="http://schemas.microsoft.com/office/drawing/2010/main" val="0"/>
@@ -25161,7 +25050,7 @@
           <p:nvPr/>
         </p:nvPicPr>
         <p:blipFill>
-          <a:blip r:embed="rId3">
+          <a:blip r:embed="rId4">
             <a:extLst>
               <a:ext uri="{28A0092B-C50C-407E-A947-70E740481C1C}">
                 <a14:useLocalDpi xmlns:a14="http://schemas.microsoft.com/office/drawing/2010/main" val="0"/>
@@ -25221,7 +25110,7 @@
           <p:nvPr/>
         </p:nvPicPr>
         <p:blipFill>
-          <a:blip r:embed="rId3">
+          <a:blip r:embed="rId4">
             <a:extLst>
               <a:ext uri="{28A0092B-C50C-407E-A947-70E740481C1C}">
                 <a14:useLocalDpi xmlns:a14="http://schemas.microsoft.com/office/drawing/2010/main" val="0"/>
@@ -25281,7 +25170,7 @@
           <p:nvPr/>
         </p:nvPicPr>
         <p:blipFill>
-          <a:blip r:embed="rId3">
+          <a:blip r:embed="rId4">
             <a:extLst>
               <a:ext uri="{28A0092B-C50C-407E-A947-70E740481C1C}">
                 <a14:useLocalDpi xmlns:a14="http://schemas.microsoft.com/office/drawing/2010/main" val="0"/>
@@ -25341,7 +25230,7 @@
           <p:nvPr/>
         </p:nvPicPr>
         <p:blipFill>
-          <a:blip r:embed="rId3">
+          <a:blip r:embed="rId4">
             <a:extLst>
               <a:ext uri="{28A0092B-C50C-407E-A947-70E740481C1C}">
                 <a14:useLocalDpi xmlns:a14="http://schemas.microsoft.com/office/drawing/2010/main" val="0"/>
@@ -25401,7 +25290,7 @@
           <p:nvPr/>
         </p:nvPicPr>
         <p:blipFill>
-          <a:blip r:embed="rId3">
+          <a:blip r:embed="rId4">
             <a:extLst>
               <a:ext uri="{28A0092B-C50C-407E-A947-70E740481C1C}">
                 <a14:useLocalDpi xmlns:a14="http://schemas.microsoft.com/office/drawing/2010/main" val="0"/>
@@ -25461,7 +25350,7 @@
           <p:nvPr/>
         </p:nvPicPr>
         <p:blipFill>
-          <a:blip r:embed="rId3">
+          <a:blip r:embed="rId4">
             <a:extLst>
               <a:ext uri="{28A0092B-C50C-407E-A947-70E740481C1C}">
                 <a14:useLocalDpi xmlns:a14="http://schemas.microsoft.com/office/drawing/2010/main" val="0"/>
@@ -26039,6 +25928,18 @@
 <file path=ppt/slides/slide8.xml><?xml version="1.0" encoding="utf-8"?>
 <p:sld xmlns:a="http://schemas.openxmlformats.org/drawingml/2006/main" xmlns:r="http://schemas.openxmlformats.org/officeDocument/2006/relationships" xmlns:p="http://schemas.openxmlformats.org/presentationml/2006/main">
   <p:cSld>
+    <p:bg bwMode="auto">
+      <p:bgPr>
+        <a:blipFill dpi="0" rotWithShape="0">
+          <a:blip r:embed="rId2"/>
+          <a:srcRect/>
+          <a:stretch>
+            <a:fillRect/>
+          </a:stretch>
+        </a:blipFill>
+        <a:effectLst/>
+      </p:bgPr>
+    </p:bg>
     <p:spTree>
       <p:nvGrpSpPr>
         <p:cNvPr id="1" name=""/>
@@ -26068,7 +25969,7 @@
           <p:nvPr/>
         </p:nvPicPr>
         <p:blipFill>
-          <a:blip r:embed="rId2">
+          <a:blip r:embed="rId3">
             <a:extLst>
               <a:ext uri="{28A0092B-C50C-407E-A947-70E740481C1C}">
                 <a14:useLocalDpi xmlns:a14="http://schemas.microsoft.com/office/drawing/2010/main" val="0"/>
@@ -26765,6 +26666,18 @@
 <file path=ppt/slides/slide9.xml><?xml version="1.0" encoding="utf-8"?>
 <p:sld xmlns:a="http://schemas.openxmlformats.org/drawingml/2006/main" xmlns:r="http://schemas.openxmlformats.org/officeDocument/2006/relationships" xmlns:p="http://schemas.openxmlformats.org/presentationml/2006/main">
   <p:cSld>
+    <p:bg bwMode="auto">
+      <p:bgPr>
+        <a:blipFill dpi="0" rotWithShape="0">
+          <a:blip r:embed="rId2"/>
+          <a:srcRect/>
+          <a:stretch>
+            <a:fillRect/>
+          </a:stretch>
+        </a:blipFill>
+        <a:effectLst/>
+      </p:bgPr>
+    </p:bg>
     <p:spTree>
       <p:nvGrpSpPr>
         <p:cNvPr id="1" name=""/>
@@ -26984,7 +26897,7 @@
           <p:nvPr/>
         </p:nvPicPr>
         <p:blipFill>
-          <a:blip r:embed="rId2">
+          <a:blip r:embed="rId3">
             <a:extLst>
               <a:ext uri="{28A0092B-C50C-407E-A947-70E740481C1C}">
                 <a14:useLocalDpi xmlns:a14="http://schemas.microsoft.com/office/drawing/2010/main" val="0"/>
@@ -27044,7 +26957,7 @@
           <p:nvPr/>
         </p:nvPicPr>
         <p:blipFill>
-          <a:blip r:embed="rId3">
+          <a:blip r:embed="rId4">
             <a:extLst>
               <a:ext uri="{28A0092B-C50C-407E-A947-70E740481C1C}">
                 <a14:useLocalDpi xmlns:a14="http://schemas.microsoft.com/office/drawing/2010/main" val="0"/>
